--- a/농산물 시세(13주차).pptx
+++ b/농산물 시세(13주차).pptx
@@ -19,7 +19,9 @@
     <p:sldId id="381" r:id="rId13"/>
     <p:sldId id="382" r:id="rId14"/>
     <p:sldId id="384" r:id="rId15"/>
-    <p:sldId id="385" r:id="rId16"/>
+    <p:sldId id="387" r:id="rId16"/>
+    <p:sldId id="385" r:id="rId17"/>
+    <p:sldId id="386" r:id="rId18"/>
   </p:sldIdLst>
   <p:sldSz cx="12192000" cy="6858000"/>
   <p:notesSz cx="6858000" cy="9144000"/>
@@ -4480,6 +4482,196 @@
           </a:p>
         </p:txBody>
       </p:sp>
+      <p:sp>
+        <p:nvSpPr>
+          <p:cNvPr id="5" name="TextBox 4">
+            <a:extLst>
+              <a:ext uri="{FF2B5EF4-FFF2-40B4-BE49-F238E27FC236}">
+                <a16:creationId xmlns:a16="http://schemas.microsoft.com/office/drawing/2014/main" id="{DC13C35F-F18A-4AC5-A675-C2072E8A5612}"/>
+              </a:ext>
+            </a:extLst>
+          </p:cNvPr>
+          <p:cNvSpPr txBox="1"/>
+          <p:nvPr/>
+        </p:nvSpPr>
+        <p:spPr>
+          <a:xfrm>
+            <a:off x="6096000" y="365125"/>
+            <a:ext cx="4927600" cy="923330"/>
+          </a:xfrm>
+          <a:prstGeom prst="rect">
+            <a:avLst/>
+          </a:prstGeom>
+          <a:noFill/>
+        </p:spPr>
+        <p:txBody>
+          <a:bodyPr wrap="square" rtlCol="0">
+            <a:spAutoFit/>
+          </a:bodyPr>
+          <a:lstStyle/>
+          <a:p>
+            <a:r>
+              <a:rPr lang="ko-KR" altLang="en-US" dirty="0"/>
+              <a:t>스크립트</a:t>
+            </a:r>
+            <a:r>
+              <a:rPr lang="en-US" altLang="ko-KR" dirty="0"/>
+              <a:t>-&gt;JSP </a:t>
+            </a:r>
+            <a:r>
+              <a:rPr lang="ko-KR" altLang="en-US" dirty="0"/>
+              <a:t>가능</a:t>
+            </a:r>
+            <a:endParaRPr lang="en-US" altLang="ko-KR" dirty="0"/>
+          </a:p>
+          <a:p>
+            <a:r>
+              <a:rPr lang="en-US" altLang="ko-KR" dirty="0">
+                <a:sym typeface="Wingdings" panose="05000000000000000000" pitchFamily="2" charset="2"/>
+              </a:rPr>
+              <a:t>JSP-&gt;</a:t>
+            </a:r>
+            <a:r>
+              <a:rPr lang="ko-KR" altLang="en-US" dirty="0">
+                <a:sym typeface="Wingdings" panose="05000000000000000000" pitchFamily="2" charset="2"/>
+              </a:rPr>
+              <a:t>스크립트 불가능</a:t>
+            </a:r>
+            <a:r>
+              <a:rPr lang="en-US" altLang="ko-KR" dirty="0">
+                <a:sym typeface="Wingdings" panose="05000000000000000000" pitchFamily="2" charset="2"/>
+              </a:rPr>
+              <a:t>.</a:t>
+            </a:r>
+          </a:p>
+          <a:p>
+            <a:endParaRPr lang="ko-KR" altLang="en-US" dirty="0"/>
+          </a:p>
+        </p:txBody>
+      </p:sp>
+      <p:pic>
+        <p:nvPicPr>
+          <p:cNvPr id="6" name="그림 5">
+            <a:extLst>
+              <a:ext uri="{FF2B5EF4-FFF2-40B4-BE49-F238E27FC236}">
+                <a16:creationId xmlns:a16="http://schemas.microsoft.com/office/drawing/2014/main" id="{78C7486F-BDC3-4D17-A512-B78BD7BEDC7F}"/>
+              </a:ext>
+            </a:extLst>
+          </p:cNvPr>
+          <p:cNvPicPr>
+            <a:picLocks noChangeAspect="1"/>
+          </p:cNvPicPr>
+          <p:nvPr/>
+        </p:nvPicPr>
+        <p:blipFill>
+          <a:blip r:embed="rId2"/>
+          <a:stretch>
+            <a:fillRect/>
+          </a:stretch>
+        </p:blipFill>
+        <p:spPr>
+          <a:xfrm>
+            <a:off x="5803900" y="1435696"/>
+            <a:ext cx="5524500" cy="5238750"/>
+          </a:xfrm>
+          <a:prstGeom prst="rect">
+            <a:avLst/>
+          </a:prstGeom>
+        </p:spPr>
+      </p:pic>
+      <p:pic>
+        <p:nvPicPr>
+          <p:cNvPr id="7" name="그림 6">
+            <a:extLst>
+              <a:ext uri="{FF2B5EF4-FFF2-40B4-BE49-F238E27FC236}">
+                <a16:creationId xmlns:a16="http://schemas.microsoft.com/office/drawing/2014/main" id="{6C689181-8DE2-4148-B5B6-4520E96B333C}"/>
+              </a:ext>
+            </a:extLst>
+          </p:cNvPr>
+          <p:cNvPicPr>
+            <a:picLocks noChangeAspect="1"/>
+          </p:cNvPicPr>
+          <p:nvPr/>
+        </p:nvPicPr>
+        <p:blipFill>
+          <a:blip r:embed="rId3"/>
+          <a:stretch>
+            <a:fillRect/>
+          </a:stretch>
+        </p:blipFill>
+        <p:spPr>
+          <a:xfrm>
+            <a:off x="1639888" y="1435696"/>
+            <a:ext cx="3362325" cy="723900"/>
+          </a:xfrm>
+          <a:prstGeom prst="rect">
+            <a:avLst/>
+          </a:prstGeom>
+        </p:spPr>
+      </p:pic>
+    </p:spTree>
+    <p:extLst>
+      <p:ext uri="{BB962C8B-B14F-4D97-AF65-F5344CB8AC3E}">
+        <p14:creationId xmlns:p14="http://schemas.microsoft.com/office/powerpoint/2010/main" val="4172002394"/>
+      </p:ext>
+    </p:extLst>
+  </p:cSld>
+  <p:clrMapOvr>
+    <a:masterClrMapping/>
+  </p:clrMapOvr>
+</p:sld>
+</file>
+
+<file path=ppt/slides/slide16.xml><?xml version="1.0" encoding="utf-8"?>
+<p:sld xmlns:a="http://schemas.openxmlformats.org/drawingml/2006/main" xmlns:r="http://schemas.openxmlformats.org/officeDocument/2006/relationships" xmlns:p="http://schemas.openxmlformats.org/presentationml/2006/main">
+  <p:cSld>
+    <p:spTree>
+      <p:nvGrpSpPr>
+        <p:cNvPr id="1" name=""/>
+        <p:cNvGrpSpPr/>
+        <p:nvPr/>
+      </p:nvGrpSpPr>
+      <p:grpSpPr>
+        <a:xfrm>
+          <a:off x="0" y="0"/>
+          <a:ext cx="0" cy="0"/>
+          <a:chOff x="0" y="0"/>
+          <a:chExt cx="0" cy="0"/>
+        </a:xfrm>
+      </p:grpSpPr>
+      <p:sp>
+        <p:nvSpPr>
+          <p:cNvPr id="2" name="제목 1">
+            <a:extLst>
+              <a:ext uri="{FF2B5EF4-FFF2-40B4-BE49-F238E27FC236}">
+                <a16:creationId xmlns:a16="http://schemas.microsoft.com/office/drawing/2014/main" id="{9C1F2B36-F715-49FE-8005-4132FFED8AD7}"/>
+              </a:ext>
+            </a:extLst>
+          </p:cNvPr>
+          <p:cNvSpPr>
+            <a:spLocks noGrp="1"/>
+          </p:cNvSpPr>
+          <p:nvPr>
+            <p:ph type="title"/>
+          </p:nvPr>
+        </p:nvSpPr>
+        <p:spPr/>
+        <p:txBody>
+          <a:bodyPr/>
+          <a:lstStyle/>
+          <a:p>
+            <a:r>
+              <a:rPr lang="ko-KR" altLang="en-US" dirty="0" err="1"/>
+              <a:t>다중셀렉트박스</a:t>
+            </a:r>
+            <a:r>
+              <a:rPr lang="en-US" altLang="ko-KR" dirty="0"/>
+              <a:t>…</a:t>
+            </a:r>
+            <a:endParaRPr lang="ko-KR" altLang="en-US" dirty="0"/>
+          </a:p>
+        </p:txBody>
+      </p:sp>
       <p:pic>
         <p:nvPicPr>
           <p:cNvPr id="5" name="그림 4">
@@ -4574,6 +4766,397 @@
     <p:extLst>
       <p:ext uri="{BB962C8B-B14F-4D97-AF65-F5344CB8AC3E}">
         <p14:creationId xmlns:p14="http://schemas.microsoft.com/office/powerpoint/2010/main" val="2856928103"/>
+      </p:ext>
+    </p:extLst>
+  </p:cSld>
+  <p:clrMapOvr>
+    <a:masterClrMapping/>
+  </p:clrMapOvr>
+</p:sld>
+</file>
+
+<file path=ppt/slides/slide17.xml><?xml version="1.0" encoding="utf-8"?>
+<p:sld xmlns:a="http://schemas.openxmlformats.org/drawingml/2006/main" xmlns:r="http://schemas.openxmlformats.org/officeDocument/2006/relationships" xmlns:p="http://schemas.openxmlformats.org/presentationml/2006/main">
+  <p:cSld>
+    <p:spTree>
+      <p:nvGrpSpPr>
+        <p:cNvPr id="1" name=""/>
+        <p:cNvGrpSpPr/>
+        <p:nvPr/>
+      </p:nvGrpSpPr>
+      <p:grpSpPr>
+        <a:xfrm>
+          <a:off x="0" y="0"/>
+          <a:ext cx="0" cy="0"/>
+          <a:chOff x="0" y="0"/>
+          <a:chExt cx="0" cy="0"/>
+        </a:xfrm>
+      </p:grpSpPr>
+      <p:sp>
+        <p:nvSpPr>
+          <p:cNvPr id="2" name="제목 1">
+            <a:extLst>
+              <a:ext uri="{FF2B5EF4-FFF2-40B4-BE49-F238E27FC236}">
+                <a16:creationId xmlns:a16="http://schemas.microsoft.com/office/drawing/2014/main" id="{9C1F2B36-F715-49FE-8005-4132FFED8AD7}"/>
+              </a:ext>
+            </a:extLst>
+          </p:cNvPr>
+          <p:cNvSpPr>
+            <a:spLocks noGrp="1"/>
+          </p:cNvSpPr>
+          <p:nvPr>
+            <p:ph type="title"/>
+          </p:nvPr>
+        </p:nvSpPr>
+        <p:spPr/>
+        <p:txBody>
+          <a:bodyPr/>
+          <a:lstStyle/>
+          <a:p>
+            <a:r>
+              <a:rPr lang="ko-KR" altLang="en-US" dirty="0" err="1"/>
+              <a:t>다중셀렉트박스</a:t>
+            </a:r>
+            <a:r>
+              <a:rPr lang="en-US" altLang="ko-KR" dirty="0"/>
+              <a:t>…</a:t>
+            </a:r>
+            <a:endParaRPr lang="ko-KR" altLang="en-US" dirty="0"/>
+          </a:p>
+        </p:txBody>
+      </p:sp>
+      <p:pic>
+        <p:nvPicPr>
+          <p:cNvPr id="6" name="그림 5">
+            <a:extLst>
+              <a:ext uri="{FF2B5EF4-FFF2-40B4-BE49-F238E27FC236}">
+                <a16:creationId xmlns:a16="http://schemas.microsoft.com/office/drawing/2014/main" id="{C25AB790-06DF-4FFE-AA03-2F209C09C4B7}"/>
+              </a:ext>
+            </a:extLst>
+          </p:cNvPr>
+          <p:cNvPicPr>
+            <a:picLocks noChangeAspect="1"/>
+          </p:cNvPicPr>
+          <p:nvPr/>
+        </p:nvPicPr>
+        <p:blipFill>
+          <a:blip r:embed="rId2"/>
+          <a:stretch>
+            <a:fillRect/>
+          </a:stretch>
+        </p:blipFill>
+        <p:spPr>
+          <a:xfrm>
+            <a:off x="838199" y="1690688"/>
+            <a:ext cx="5392603" cy="506412"/>
+          </a:xfrm>
+          <a:prstGeom prst="rect">
+            <a:avLst/>
+          </a:prstGeom>
+        </p:spPr>
+      </p:pic>
+      <p:pic>
+        <p:nvPicPr>
+          <p:cNvPr id="3" name="그림 2">
+            <a:extLst>
+              <a:ext uri="{FF2B5EF4-FFF2-40B4-BE49-F238E27FC236}">
+                <a16:creationId xmlns:a16="http://schemas.microsoft.com/office/drawing/2014/main" id="{7F08505A-BC46-4196-B3D2-639EAA7639B7}"/>
+              </a:ext>
+            </a:extLst>
+          </p:cNvPr>
+          <p:cNvPicPr>
+            <a:picLocks noChangeAspect="1"/>
+          </p:cNvPicPr>
+          <p:nvPr/>
+        </p:nvPicPr>
+        <p:blipFill>
+          <a:blip r:embed="rId3"/>
+          <a:stretch>
+            <a:fillRect/>
+          </a:stretch>
+        </p:blipFill>
+        <p:spPr>
+          <a:xfrm>
+            <a:off x="838200" y="2781300"/>
+            <a:ext cx="7429500" cy="647700"/>
+          </a:xfrm>
+          <a:prstGeom prst="rect">
+            <a:avLst/>
+          </a:prstGeom>
+        </p:spPr>
+      </p:pic>
+      <p:sp>
+        <p:nvSpPr>
+          <p:cNvPr id="4" name="타원 3">
+            <a:extLst>
+              <a:ext uri="{FF2B5EF4-FFF2-40B4-BE49-F238E27FC236}">
+                <a16:creationId xmlns:a16="http://schemas.microsoft.com/office/drawing/2014/main" id="{8A500C30-A641-4E4C-A092-1823533650A1}"/>
+              </a:ext>
+            </a:extLst>
+          </p:cNvPr>
+          <p:cNvSpPr/>
+          <p:nvPr/>
+        </p:nvSpPr>
+        <p:spPr>
+          <a:xfrm>
+            <a:off x="685799" y="2577306"/>
+            <a:ext cx="2476501" cy="851694"/>
+          </a:xfrm>
+          <a:prstGeom prst="ellipse">
+            <a:avLst/>
+          </a:prstGeom>
+          <a:noFill/>
+        </p:spPr>
+        <p:style>
+          <a:lnRef idx="2">
+            <a:schemeClr val="accent1">
+              <a:shade val="50000"/>
+            </a:schemeClr>
+          </a:lnRef>
+          <a:fillRef idx="1">
+            <a:schemeClr val="accent1"/>
+          </a:fillRef>
+          <a:effectRef idx="0">
+            <a:schemeClr val="accent1"/>
+          </a:effectRef>
+          <a:fontRef idx="minor">
+            <a:schemeClr val="lt1"/>
+          </a:fontRef>
+        </p:style>
+        <p:txBody>
+          <a:bodyPr rtlCol="0" anchor="ctr"/>
+          <a:lstStyle/>
+          <a:p>
+            <a:pPr algn="ctr"/>
+            <a:endParaRPr lang="ko-KR" altLang="en-US"/>
+          </a:p>
+        </p:txBody>
+      </p:sp>
+      <p:sp>
+        <p:nvSpPr>
+          <p:cNvPr id="9" name="타원 8">
+            <a:extLst>
+              <a:ext uri="{FF2B5EF4-FFF2-40B4-BE49-F238E27FC236}">
+                <a16:creationId xmlns:a16="http://schemas.microsoft.com/office/drawing/2014/main" id="{339BB909-9B7C-443C-8D8F-FB54598D0E9C}"/>
+              </a:ext>
+            </a:extLst>
+          </p:cNvPr>
+          <p:cNvSpPr/>
+          <p:nvPr/>
+        </p:nvSpPr>
+        <p:spPr>
+          <a:xfrm>
+            <a:off x="3047999" y="2628106"/>
+            <a:ext cx="2476501" cy="851694"/>
+          </a:xfrm>
+          <a:prstGeom prst="ellipse">
+            <a:avLst/>
+          </a:prstGeom>
+          <a:noFill/>
+        </p:spPr>
+        <p:style>
+          <a:lnRef idx="2">
+            <a:schemeClr val="accent1">
+              <a:shade val="50000"/>
+            </a:schemeClr>
+          </a:lnRef>
+          <a:fillRef idx="1">
+            <a:schemeClr val="accent1"/>
+          </a:fillRef>
+          <a:effectRef idx="0">
+            <a:schemeClr val="accent1"/>
+          </a:effectRef>
+          <a:fontRef idx="minor">
+            <a:schemeClr val="lt1"/>
+          </a:fontRef>
+        </p:style>
+        <p:txBody>
+          <a:bodyPr rtlCol="0" anchor="ctr"/>
+          <a:lstStyle/>
+          <a:p>
+            <a:pPr algn="ctr"/>
+            <a:endParaRPr lang="ko-KR" altLang="en-US"/>
+          </a:p>
+        </p:txBody>
+      </p:sp>
+      <p:sp>
+        <p:nvSpPr>
+          <p:cNvPr id="10" name="타원 9">
+            <a:extLst>
+              <a:ext uri="{FF2B5EF4-FFF2-40B4-BE49-F238E27FC236}">
+                <a16:creationId xmlns:a16="http://schemas.microsoft.com/office/drawing/2014/main" id="{BF212D80-1941-4D3A-AF58-9D59A7BBFCC0}"/>
+              </a:ext>
+            </a:extLst>
+          </p:cNvPr>
+          <p:cNvSpPr/>
+          <p:nvPr/>
+        </p:nvSpPr>
+        <p:spPr>
+          <a:xfrm>
+            <a:off x="5448299" y="2602706"/>
+            <a:ext cx="2476501" cy="851694"/>
+          </a:xfrm>
+          <a:prstGeom prst="ellipse">
+            <a:avLst/>
+          </a:prstGeom>
+          <a:noFill/>
+        </p:spPr>
+        <p:style>
+          <a:lnRef idx="2">
+            <a:schemeClr val="accent1">
+              <a:shade val="50000"/>
+            </a:schemeClr>
+          </a:lnRef>
+          <a:fillRef idx="1">
+            <a:schemeClr val="accent1"/>
+          </a:fillRef>
+          <a:effectRef idx="0">
+            <a:schemeClr val="accent1"/>
+          </a:effectRef>
+          <a:fontRef idx="minor">
+            <a:schemeClr val="lt1"/>
+          </a:fontRef>
+        </p:style>
+        <p:txBody>
+          <a:bodyPr rtlCol="0" anchor="ctr"/>
+          <a:lstStyle/>
+          <a:p>
+            <a:pPr algn="ctr"/>
+            <a:endParaRPr lang="ko-KR" altLang="en-US"/>
+          </a:p>
+        </p:txBody>
+      </p:sp>
+      <p:sp>
+        <p:nvSpPr>
+          <p:cNvPr id="11" name="TextBox 10">
+            <a:extLst>
+              <a:ext uri="{FF2B5EF4-FFF2-40B4-BE49-F238E27FC236}">
+                <a16:creationId xmlns:a16="http://schemas.microsoft.com/office/drawing/2014/main" id="{E213C353-C861-4236-94A4-360B6C2133D1}"/>
+              </a:ext>
+            </a:extLst>
+          </p:cNvPr>
+          <p:cNvSpPr txBox="1"/>
+          <p:nvPr/>
+        </p:nvSpPr>
+        <p:spPr>
+          <a:xfrm>
+            <a:off x="1447800" y="4050268"/>
+            <a:ext cx="4318000" cy="369332"/>
+          </a:xfrm>
+          <a:prstGeom prst="rect">
+            <a:avLst/>
+          </a:prstGeom>
+          <a:noFill/>
+        </p:spPr>
+        <p:txBody>
+          <a:bodyPr wrap="square" rtlCol="0">
+            <a:spAutoFit/>
+          </a:bodyPr>
+          <a:lstStyle/>
+          <a:p>
+            <a:r>
+              <a:rPr lang="ko-KR" altLang="en-US" dirty="0"/>
+              <a:t>왼쪽부터 하나하나</a:t>
+            </a:r>
+            <a:r>
+              <a:rPr lang="en-US" altLang="ko-KR" dirty="0"/>
+              <a:t>. </a:t>
+            </a:r>
+            <a:r>
+              <a:rPr lang="ko-KR" altLang="en-US" dirty="0"/>
+              <a:t>선택하기</a:t>
+            </a:r>
+            <a:r>
+              <a:rPr lang="en-US" altLang="ko-KR" dirty="0"/>
+              <a:t>.</a:t>
+            </a:r>
+            <a:endParaRPr lang="ko-KR" altLang="en-US" dirty="0"/>
+          </a:p>
+        </p:txBody>
+      </p:sp>
+      <p:cxnSp>
+        <p:nvCxnSpPr>
+          <p:cNvPr id="13" name="직선 화살표 연결선 12">
+            <a:extLst>
+              <a:ext uri="{FF2B5EF4-FFF2-40B4-BE49-F238E27FC236}">
+                <a16:creationId xmlns:a16="http://schemas.microsoft.com/office/drawing/2014/main" id="{774DED51-C408-4883-8ADC-F70833BB557E}"/>
+              </a:ext>
+            </a:extLst>
+          </p:cNvPr>
+          <p:cNvCxnSpPr/>
+          <p:nvPr/>
+        </p:nvCxnSpPr>
+        <p:spPr>
+          <a:xfrm>
+            <a:off x="4552950" y="5054600"/>
+            <a:ext cx="1212850" cy="0"/>
+          </a:xfrm>
+          <a:prstGeom prst="straightConnector1">
+            <a:avLst/>
+          </a:prstGeom>
+          <a:ln>
+            <a:tailEnd type="triangle"/>
+          </a:ln>
+        </p:spPr>
+        <p:style>
+          <a:lnRef idx="1">
+            <a:schemeClr val="accent1"/>
+          </a:lnRef>
+          <a:fillRef idx="0">
+            <a:schemeClr val="accent1"/>
+          </a:fillRef>
+          <a:effectRef idx="0">
+            <a:schemeClr val="accent1"/>
+          </a:effectRef>
+          <a:fontRef idx="minor">
+            <a:schemeClr val="tx1"/>
+          </a:fontRef>
+        </p:style>
+      </p:cxnSp>
+      <p:sp>
+        <p:nvSpPr>
+          <p:cNvPr id="14" name="TextBox 13">
+            <a:extLst>
+              <a:ext uri="{FF2B5EF4-FFF2-40B4-BE49-F238E27FC236}">
+                <a16:creationId xmlns:a16="http://schemas.microsoft.com/office/drawing/2014/main" id="{608A756D-979D-4F5D-9E08-7241DF173AAF}"/>
+              </a:ext>
+            </a:extLst>
+          </p:cNvPr>
+          <p:cNvSpPr txBox="1"/>
+          <p:nvPr/>
+        </p:nvSpPr>
+        <p:spPr>
+          <a:xfrm>
+            <a:off x="6337300" y="4050268"/>
+            <a:ext cx="2286000" cy="369332"/>
+          </a:xfrm>
+          <a:prstGeom prst="rect">
+            <a:avLst/>
+          </a:prstGeom>
+          <a:noFill/>
+        </p:spPr>
+        <p:txBody>
+          <a:bodyPr wrap="square" rtlCol="0">
+            <a:spAutoFit/>
+          </a:bodyPr>
+          <a:lstStyle/>
+          <a:p>
+            <a:r>
+              <a:rPr lang="ko-KR" altLang="en-US" dirty="0"/>
+              <a:t>배열사용하기</a:t>
+            </a:r>
+            <a:r>
+              <a:rPr lang="en-US" altLang="ko-KR" dirty="0"/>
+              <a:t>..</a:t>
+            </a:r>
+            <a:endParaRPr lang="ko-KR" altLang="en-US" dirty="0"/>
+          </a:p>
+        </p:txBody>
+      </p:sp>
+    </p:spTree>
+    <p:extLst>
+      <p:ext uri="{BB962C8B-B14F-4D97-AF65-F5344CB8AC3E}">
+        <p14:creationId xmlns:p14="http://schemas.microsoft.com/office/powerpoint/2010/main" val="362044007"/>
       </p:ext>
     </p:extLst>
   </p:cSld>
